--- a/PandemieSimulator.pptx
+++ b/PandemieSimulator.pptx
@@ -213,7 +213,7 @@
           <a:p>
             <a:fld id="{A3E643A4-8E43-4385-BCAB-F8424CB88DB2}" type="datetimeFigureOut">
               <a:rPr lang="de-DE" smtClean="0"/>
-              <a:t>28.02.2021</a:t>
+              <a:t>04.03.2021</a:t>
             </a:fld>
             <a:endParaRPr lang="de-DE"/>
           </a:p>
@@ -627,7 +627,7 @@
           <a:p>
             <a:fld id="{36075F03-3620-47B3-B33E-33F37383D34A}" type="datetimeFigureOut">
               <a:rPr lang="de-DE" smtClean="0"/>
-              <a:t>28.02.2021</a:t>
+              <a:t>04.03.2021</a:t>
             </a:fld>
             <a:endParaRPr lang="de-DE"/>
           </a:p>
@@ -825,7 +825,7 @@
           <a:p>
             <a:fld id="{36075F03-3620-47B3-B33E-33F37383D34A}" type="datetimeFigureOut">
               <a:rPr lang="de-DE" smtClean="0"/>
-              <a:t>28.02.2021</a:t>
+              <a:t>04.03.2021</a:t>
             </a:fld>
             <a:endParaRPr lang="de-DE"/>
           </a:p>
@@ -1033,7 +1033,7 @@
           <a:p>
             <a:fld id="{36075F03-3620-47B3-B33E-33F37383D34A}" type="datetimeFigureOut">
               <a:rPr lang="de-DE" smtClean="0"/>
-              <a:t>28.02.2021</a:t>
+              <a:t>04.03.2021</a:t>
             </a:fld>
             <a:endParaRPr lang="de-DE"/>
           </a:p>
@@ -2022,7 +2022,7 @@
           <a:p>
             <a:fld id="{36075F03-3620-47B3-B33E-33F37383D34A}" type="datetimeFigureOut">
               <a:rPr lang="de-DE" smtClean="0"/>
-              <a:t>28.02.2021</a:t>
+              <a:t>04.03.2021</a:t>
             </a:fld>
             <a:endParaRPr lang="de-DE"/>
           </a:p>
@@ -2297,7 +2297,7 @@
           <a:p>
             <a:fld id="{36075F03-3620-47B3-B33E-33F37383D34A}" type="datetimeFigureOut">
               <a:rPr lang="de-DE" smtClean="0"/>
-              <a:t>28.02.2021</a:t>
+              <a:t>04.03.2021</a:t>
             </a:fld>
             <a:endParaRPr lang="de-DE"/>
           </a:p>
@@ -2562,7 +2562,7 @@
           <a:p>
             <a:fld id="{36075F03-3620-47B3-B33E-33F37383D34A}" type="datetimeFigureOut">
               <a:rPr lang="de-DE" smtClean="0"/>
-              <a:t>28.02.2021</a:t>
+              <a:t>04.03.2021</a:t>
             </a:fld>
             <a:endParaRPr lang="de-DE"/>
           </a:p>
@@ -2974,7 +2974,7 @@
           <a:p>
             <a:fld id="{36075F03-3620-47B3-B33E-33F37383D34A}" type="datetimeFigureOut">
               <a:rPr lang="de-DE" smtClean="0"/>
-              <a:t>28.02.2021</a:t>
+              <a:t>04.03.2021</a:t>
             </a:fld>
             <a:endParaRPr lang="de-DE"/>
           </a:p>
@@ -3115,7 +3115,7 @@
           <a:p>
             <a:fld id="{36075F03-3620-47B3-B33E-33F37383D34A}" type="datetimeFigureOut">
               <a:rPr lang="de-DE" smtClean="0"/>
-              <a:t>28.02.2021</a:t>
+              <a:t>04.03.2021</a:t>
             </a:fld>
             <a:endParaRPr lang="de-DE"/>
           </a:p>
@@ -3228,7 +3228,7 @@
           <a:p>
             <a:fld id="{36075F03-3620-47B3-B33E-33F37383D34A}" type="datetimeFigureOut">
               <a:rPr lang="de-DE" smtClean="0"/>
-              <a:t>28.02.2021</a:t>
+              <a:t>04.03.2021</a:t>
             </a:fld>
             <a:endParaRPr lang="de-DE"/>
           </a:p>
@@ -3539,7 +3539,7 @@
           <a:p>
             <a:fld id="{36075F03-3620-47B3-B33E-33F37383D34A}" type="datetimeFigureOut">
               <a:rPr lang="de-DE" smtClean="0"/>
-              <a:t>28.02.2021</a:t>
+              <a:t>04.03.2021</a:t>
             </a:fld>
             <a:endParaRPr lang="de-DE"/>
           </a:p>
@@ -3827,7 +3827,7 @@
           <a:p>
             <a:fld id="{36075F03-3620-47B3-B33E-33F37383D34A}" type="datetimeFigureOut">
               <a:rPr lang="de-DE" smtClean="0"/>
-              <a:t>28.02.2021</a:t>
+              <a:t>04.03.2021</a:t>
             </a:fld>
             <a:endParaRPr lang="de-DE"/>
           </a:p>
@@ -4068,7 +4068,7 @@
           <a:p>
             <a:fld id="{36075F03-3620-47B3-B33E-33F37383D34A}" type="datetimeFigureOut">
               <a:rPr lang="de-DE" smtClean="0"/>
-              <a:t>28.02.2021</a:t>
+              <a:t>04.03.2021</a:t>
             </a:fld>
             <a:endParaRPr lang="de-DE"/>
           </a:p>
@@ -6943,13 +6943,13 @@
   <p:clrMapOvr>
     <a:masterClrMapping/>
   </p:clrMapOvr>
-  <mc:AlternateContent xmlns:mc="http://schemas.openxmlformats.org/markup-compatibility/2006">
-    <mc:Choice xmlns:p14="http://schemas.microsoft.com/office/powerpoint/2010/main" Requires="p14">
+  <mc:AlternateContent xmlns:mc="http://schemas.openxmlformats.org/markup-compatibility/2006" xmlns:p14="http://schemas.microsoft.com/office/powerpoint/2010/main">
+    <mc:Choice Requires="p14">
       <p:transition spd="med" p14:dur="700">
         <p:fade/>
       </p:transition>
     </mc:Choice>
-    <mc:Fallback>
+    <mc:Fallback xmlns="">
       <p:transition spd="med">
         <p:fade/>
       </p:transition>
@@ -7189,13 +7189,13 @@
   <p:clrMapOvr>
     <a:masterClrMapping/>
   </p:clrMapOvr>
-  <mc:AlternateContent xmlns:mc="http://schemas.openxmlformats.org/markup-compatibility/2006">
-    <mc:Choice xmlns:p14="http://schemas.microsoft.com/office/powerpoint/2010/main" Requires="p14">
+  <mc:AlternateContent xmlns:mc="http://schemas.openxmlformats.org/markup-compatibility/2006" xmlns:p14="http://schemas.microsoft.com/office/powerpoint/2010/main">
+    <mc:Choice Requires="p14">
       <p:transition spd="med" p14:dur="700">
         <p:fade/>
       </p:transition>
     </mc:Choice>
-    <mc:Fallback>
+    <mc:Fallback xmlns="">
       <p:transition spd="med">
         <p:fade/>
       </p:transition>
@@ -7626,13 +7626,13 @@
   <p:clrMapOvr>
     <a:masterClrMapping/>
   </p:clrMapOvr>
-  <mc:AlternateContent xmlns:mc="http://schemas.openxmlformats.org/markup-compatibility/2006">
-    <mc:Choice xmlns:p14="http://schemas.microsoft.com/office/powerpoint/2010/main" Requires="p14">
+  <mc:AlternateContent xmlns:mc="http://schemas.openxmlformats.org/markup-compatibility/2006" xmlns:p14="http://schemas.microsoft.com/office/powerpoint/2010/main">
+    <mc:Choice Requires="p14">
       <p:transition spd="med" p14:dur="700">
         <p:fade/>
       </p:transition>
     </mc:Choice>
-    <mc:Fallback>
+    <mc:Fallback xmlns="">
       <p:transition spd="med">
         <p:fade/>
       </p:transition>
@@ -8364,6 +8364,134 @@
           <a:prstGeom prst="rect">
             <a:avLst/>
           </a:prstGeom>
+        </p:spPr>
+      </p:pic>
+      <p:sp>
+        <p:nvSpPr>
+          <p:cNvPr id="14" name="Rechteck 13">
+            <a:extLst>
+              <a:ext uri="{FF2B5EF4-FFF2-40B4-BE49-F238E27FC236}">
+                <a16:creationId xmlns:a16="http://schemas.microsoft.com/office/drawing/2014/main" id="{EDE716D7-EA26-4192-A059-A3E696195D07}"/>
+              </a:ext>
+            </a:extLst>
+          </p:cNvPr>
+          <p:cNvSpPr/>
+          <p:nvPr/>
+        </p:nvSpPr>
+        <p:spPr>
+          <a:xfrm>
+            <a:off x="3366039" y="1804697"/>
+            <a:ext cx="2701500" cy="307777"/>
+          </a:xfrm>
+          <a:prstGeom prst="rect">
+            <a:avLst/>
+          </a:prstGeom>
+        </p:spPr>
+        <p:txBody>
+          <a:bodyPr wrap="square" lIns="0" anchor="ctr">
+            <a:spAutoFit/>
+          </a:bodyPr>
+          <a:lstStyle/>
+          <a:p>
+            <a:pPr marL="0" marR="0" lvl="0" indent="0" algn="l" defTabSz="914400" rtl="0" eaLnBrk="1" fontAlgn="auto" latinLnBrk="0" hangingPunct="1">
+              <a:lnSpc>
+                <a:spcPct val="100000"/>
+              </a:lnSpc>
+              <a:spcBef>
+                <a:spcPts val="600"/>
+              </a:spcBef>
+              <a:spcAft>
+                <a:spcPts val="0"/>
+              </a:spcAft>
+              <a:buClrTx/>
+              <a:buSzTx/>
+              <a:buFontTx/>
+              <a:buNone/>
+              <a:tabLst/>
+              <a:defRPr/>
+            </a:pPr>
+            <a:r>
+              <a:rPr lang="en-US" sz="1400" b="1" kern="0" spc="272" dirty="0">
+                <a:solidFill>
+                  <a:srgbClr val="FFFFFF">
+                    <a:lumMod val="50000"/>
+                  </a:srgbClr>
+                </a:solidFill>
+                <a:latin typeface="Source Sans Pro" panose="020B0503030403020204" pitchFamily="34" charset="0"/>
+                <a:ea typeface="Source Sans Pro" panose="020B0503030403020204" pitchFamily="34" charset="0"/>
+                <a:cs typeface="Arial"/>
+                <a:sym typeface="Avenir"/>
+              </a:rPr>
+              <a:t>Architecture</a:t>
+            </a:r>
+            <a:r>
+              <a:rPr kumimoji="0" lang="en-US" sz="1400" b="1" i="0" u="none" strike="noStrike" kern="0" cap="none" spc="272" normalizeH="0" baseline="0" noProof="0" dirty="0">
+                <a:ln>
+                  <a:noFill/>
+                </a:ln>
+                <a:solidFill>
+                  <a:srgbClr val="FFFFFF">
+                    <a:lumMod val="50000"/>
+                  </a:srgbClr>
+                </a:solidFill>
+                <a:effectLst/>
+                <a:uLnTx/>
+                <a:uFillTx/>
+                <a:latin typeface="Source Sans Pro" panose="020B0503030403020204" pitchFamily="34" charset="0"/>
+                <a:ea typeface="Source Sans Pro" panose="020B0503030403020204" pitchFamily="34" charset="0"/>
+                <a:cs typeface="Arial"/>
+                <a:sym typeface="Avenir"/>
+              </a:rPr>
+              <a:t>.</a:t>
+            </a:r>
+          </a:p>
+        </p:txBody>
+      </p:sp>
+      <p:pic>
+        <p:nvPicPr>
+          <p:cNvPr id="1026" name="Picture 2" descr="Model-View-Presenter Design Pattern | TouchGFX Documentation">
+            <a:extLst>
+              <a:ext uri="{FF2B5EF4-FFF2-40B4-BE49-F238E27FC236}">
+                <a16:creationId xmlns:a16="http://schemas.microsoft.com/office/drawing/2014/main" id="{DAB5DF71-09B8-4833-B08F-D356D8ACF016}"/>
+              </a:ext>
+            </a:extLst>
+          </p:cNvPr>
+          <p:cNvPicPr>
+            <a:picLocks noChangeAspect="1" noChangeArrowheads="1"/>
+          </p:cNvPicPr>
+          <p:nvPr/>
+        </p:nvPicPr>
+        <p:blipFill>
+          <a:blip r:embed="rId8">
+            <a:extLst>
+              <a:ext uri="{28A0092B-C50C-407E-A947-70E740481C1C}">
+                <a14:useLocalDpi xmlns:a14="http://schemas.microsoft.com/office/drawing/2010/main" val="0"/>
+              </a:ext>
+            </a:extLst>
+          </a:blip>
+          <a:srcRect/>
+          <a:stretch>
+            <a:fillRect/>
+          </a:stretch>
+        </p:blipFill>
+        <p:spPr bwMode="auto">
+          <a:xfrm>
+            <a:off x="3264949" y="2116564"/>
+            <a:ext cx="2121334" cy="1202866"/>
+          </a:xfrm>
+          <a:prstGeom prst="rect">
+            <a:avLst/>
+          </a:prstGeom>
+          <a:noFill/>
+          <a:extLst>
+            <a:ext uri="{909E8E84-426E-40DD-AFC4-6F175D3DCCD1}">
+              <a14:hiddenFill xmlns:a14="http://schemas.microsoft.com/office/drawing/2010/main">
+                <a:solidFill>
+                  <a:srgbClr val="FFFFFF"/>
+                </a:solidFill>
+              </a14:hiddenFill>
+            </a:ext>
+          </a:extLst>
         </p:spPr>
       </p:pic>
     </p:spTree>
@@ -10364,21 +10492,6 @@
 </file>
 
 <file path=customXml/item1.xml><?xml version="1.0" encoding="utf-8"?>
-<p:properties xmlns:p="http://schemas.microsoft.com/office/2006/metadata/properties" xmlns:xsi="http://www.w3.org/2001/XMLSchema-instance" xmlns:pc="http://schemas.microsoft.com/office/infopath/2007/PartnerControls">
-  <documentManagement/>
-</p:properties>
-</file>
-
-<file path=customXml/item2.xml><?xml version="1.0" encoding="utf-8"?>
-<?mso-contentType ?>
-<FormTemplates xmlns="http://schemas.microsoft.com/sharepoint/v3/contenttype/forms">
-  <Display>DocumentLibraryForm</Display>
-  <Edit>DocumentLibraryForm</Edit>
-  <New>DocumentLibraryForm</New>
-</FormTemplates>
-</file>
-
-<file path=customXml/item3.xml><?xml version="1.0" encoding="utf-8"?>
 <ct:contentTypeSchema xmlns:ct="http://schemas.microsoft.com/office/2006/metadata/contentType" xmlns:ma="http://schemas.microsoft.com/office/2006/metadata/properties/metaAttributes" ct:_="" ma:_="" ma:contentTypeName="Dokument" ma:contentTypeID="0x010100FFDA6C0B43D59D43A1F454BCA7861921" ma:contentTypeVersion="4" ma:contentTypeDescription="Ein neues Dokument erstellen." ma:contentTypeScope="" ma:versionID="327b717b1d9e7361667d715981b24b34">
   <xsd:schema xmlns:xsd="http://www.w3.org/2001/XMLSchema" xmlns:xs="http://www.w3.org/2001/XMLSchema" xmlns:p="http://schemas.microsoft.com/office/2006/metadata/properties" xmlns:ns3="88239cd9-8e24-4693-a973-566755dce23a" targetNamespace="http://schemas.microsoft.com/office/2006/metadata/properties" ma:root="true" ma:fieldsID="16ea721bb510370b9df5dff3575e0126" ns3:_="">
     <xsd:import namespace="88239cd9-8e24-4693-a973-566755dce23a"/>
@@ -10524,31 +10637,22 @@
 </ct:contentTypeSchema>
 </file>
 
-<file path=customXml/itemProps1.xml><?xml version="1.0" encoding="utf-8"?>
-<ds:datastoreItem xmlns:ds="http://schemas.openxmlformats.org/officeDocument/2006/customXml" ds:itemID="{88E5D981-A3DC-45E2-9E63-3957EAA3EF89}">
-  <ds:schemaRefs>
-    <ds:schemaRef ds:uri="http://purl.org/dc/dcmitype/"/>
-    <ds:schemaRef ds:uri="88239cd9-8e24-4693-a973-566755dce23a"/>
-    <ds:schemaRef ds:uri="http://schemas.microsoft.com/office/2006/documentManagement/types"/>
-    <ds:schemaRef ds:uri="http://schemas.microsoft.com/office/2006/metadata/properties"/>
-    <ds:schemaRef ds:uri="http://purl.org/dc/terms/"/>
-    <ds:schemaRef ds:uri="http://purl.org/dc/elements/1.1/"/>
-    <ds:schemaRef ds:uri="http://schemas.microsoft.com/office/infopath/2007/PartnerControls"/>
-    <ds:schemaRef ds:uri="http://schemas.openxmlformats.org/package/2006/metadata/core-properties"/>
-    <ds:schemaRef ds:uri="http://www.w3.org/XML/1998/namespace"/>
-  </ds:schemaRefs>
-</ds:datastoreItem>
+<file path=customXml/item2.xml><?xml version="1.0" encoding="utf-8"?>
+<?mso-contentType ?>
+<FormTemplates xmlns="http://schemas.microsoft.com/sharepoint/v3/contenttype/forms">
+  <Display>DocumentLibraryForm</Display>
+  <Edit>DocumentLibraryForm</Edit>
+  <New>DocumentLibraryForm</New>
+</FormTemplates>
 </file>
 
-<file path=customXml/itemProps2.xml><?xml version="1.0" encoding="utf-8"?>
-<ds:datastoreItem xmlns:ds="http://schemas.openxmlformats.org/officeDocument/2006/customXml" ds:itemID="{6052F752-78E6-47B5-AA10-3C5D6EC30640}">
-  <ds:schemaRefs>
-    <ds:schemaRef ds:uri="http://schemas.microsoft.com/sharepoint/v3/contenttype/forms"/>
-  </ds:schemaRefs>
-</ds:datastoreItem>
+<file path=customXml/item3.xml><?xml version="1.0" encoding="utf-8"?>
+<p:properties xmlns:p="http://schemas.microsoft.com/office/2006/metadata/properties" xmlns:xsi="http://www.w3.org/2001/XMLSchema-instance" xmlns:pc="http://schemas.microsoft.com/office/infopath/2007/PartnerControls">
+  <documentManagement/>
+</p:properties>
 </file>
 
-<file path=customXml/itemProps3.xml><?xml version="1.0" encoding="utf-8"?>
+<file path=customXml/itemProps1.xml><?xml version="1.0" encoding="utf-8"?>
 <ds:datastoreItem xmlns:ds="http://schemas.openxmlformats.org/officeDocument/2006/customXml" ds:itemID="{0C5D033C-E66B-455F-BC25-7EAF297BA794}">
   <ds:schemaRefs>
     <ds:schemaRef ds:uri="http://schemas.microsoft.com/office/2006/metadata/contentType"/>
@@ -10564,4 +10668,28 @@
     <ds:schemaRef ds:uri="http://schemas.microsoft.com/internal/obd"/>
   </ds:schemaRefs>
 </ds:datastoreItem>
+</file>
+
+<file path=customXml/itemProps2.xml><?xml version="1.0" encoding="utf-8"?>
+<ds:datastoreItem xmlns:ds="http://schemas.openxmlformats.org/officeDocument/2006/customXml" ds:itemID="{6052F752-78E6-47B5-AA10-3C5D6EC30640}">
+  <ds:schemaRefs>
+    <ds:schemaRef ds:uri="http://schemas.microsoft.com/sharepoint/v3/contenttype/forms"/>
+  </ds:schemaRefs>
+</ds:datastoreItem>
+</file>
+
+<file path=customXml/itemProps3.xml><?xml version="1.0" encoding="utf-8"?>
+<ds:datastoreItem xmlns:ds="http://schemas.openxmlformats.org/officeDocument/2006/customXml" ds:itemID="{88E5D981-A3DC-45E2-9E63-3957EAA3EF89}">
+  <ds:schemaRefs>
+    <ds:schemaRef ds:uri="http://purl.org/dc/dcmitype/"/>
+    <ds:schemaRef ds:uri="88239cd9-8e24-4693-a973-566755dce23a"/>
+    <ds:schemaRef ds:uri="http://schemas.microsoft.com/office/2006/documentManagement/types"/>
+    <ds:schemaRef ds:uri="http://schemas.microsoft.com/office/2006/metadata/properties"/>
+    <ds:schemaRef ds:uri="http://purl.org/dc/terms/"/>
+    <ds:schemaRef ds:uri="http://purl.org/dc/elements/1.1/"/>
+    <ds:schemaRef ds:uri="http://schemas.microsoft.com/office/infopath/2007/PartnerControls"/>
+    <ds:schemaRef ds:uri="http://schemas.openxmlformats.org/package/2006/metadata/core-properties"/>
+    <ds:schemaRef ds:uri="http://www.w3.org/XML/1998/namespace"/>
+  </ds:schemaRefs>
+</ds:datastoreItem>
 </file>